--- a/trunk/ tsp01-contratos-clientes/BSC/PPT BSC.pptx
+++ b/trunk/ tsp01-contratos-clientes/BSC/PPT BSC.pptx
@@ -277,7 +277,7 @@
             <a:pPr>
               <a:defRPr/>
             </a:pPr>
-            <a:fld id="{F28B5240-A81D-419D-9A3D-6BFA5AF044E2}" type="datetimeFigureOut">
+            <a:fld id="{DA4DF24D-1E2C-4F22-AE21-5F7A4F37EC4A}" type="datetimeFigureOut">
               <a:rPr lang="es-PE"/>
               <a:pPr>
                 <a:defRPr/>
@@ -464,7 +464,7 @@
             <a:pPr>
               <a:defRPr/>
             </a:pPr>
-            <a:fld id="{050E1A65-A26E-4234-8A1A-695986A2D74E}" type="slidenum">
+            <a:fld id="{2C8C57E6-21A3-45B5-B083-7DBB5747CCA9}" type="slidenum">
               <a:rPr lang="es-PE"/>
               <a:pPr>
                 <a:defRPr/>
@@ -2463,7 +2463,7 @@
             <a:pPr>
               <a:defRPr/>
             </a:pPr>
-            <a:fld id="{737C9F2D-5FF5-4F29-8926-EA820F60D120}" type="datetimeFigureOut">
+            <a:fld id="{0A4EA007-FD7D-4887-8191-DECB44749ABF}" type="datetimeFigureOut">
               <a:rPr lang="es-PE"/>
               <a:pPr>
                 <a:defRPr/>
@@ -2522,7 +2522,7 @@
             <a:pPr>
               <a:defRPr/>
             </a:pPr>
-            <a:fld id="{E18CD771-EF59-4BA0-96D6-E49707DC717F}" type="slidenum">
+            <a:fld id="{FE939D6B-61B4-4C01-8A34-3652BFC08F13}" type="slidenum">
               <a:rPr lang="es-PE"/>
               <a:pPr>
                 <a:defRPr/>
@@ -2671,7 +2671,7 @@
             <a:pPr>
               <a:defRPr/>
             </a:pPr>
-            <a:fld id="{2907BA25-EFAD-492E-A903-461CD6A26644}" type="datetimeFigureOut">
+            <a:fld id="{D2BD1341-461E-4EE3-AA9D-3432BBD8A44F}" type="datetimeFigureOut">
               <a:rPr lang="es-PE"/>
               <a:pPr>
                 <a:defRPr/>
@@ -2730,7 +2730,7 @@
             <a:pPr>
               <a:defRPr/>
             </a:pPr>
-            <a:fld id="{3A4333E2-F726-4341-A8E1-BF9F79A097EE}" type="slidenum">
+            <a:fld id="{F2A12ED0-966A-4E64-9316-A32794E5AC9C}" type="slidenum">
               <a:rPr lang="es-PE"/>
               <a:pPr>
                 <a:defRPr/>
@@ -4576,7 +4576,7 @@
             <a:pPr>
               <a:defRPr/>
             </a:pPr>
-            <a:fld id="{A010E497-A8AA-4569-8C4D-B42DF6168839}" type="datetimeFigureOut">
+            <a:fld id="{F8B1C95B-28FE-456B-B0F8-FAEC04DDCEE1}" type="datetimeFigureOut">
               <a:rPr lang="es-PE"/>
               <a:pPr>
                 <a:defRPr/>
@@ -4635,7 +4635,7 @@
             <a:pPr>
               <a:defRPr/>
             </a:pPr>
-            <a:fld id="{BAA17CC0-058C-45ED-8581-B270B6C6B9A0}" type="slidenum">
+            <a:fld id="{91167115-A503-4719-91DC-8E98FF824366}" type="slidenum">
               <a:rPr lang="es-PE"/>
               <a:pPr>
                 <a:defRPr/>
@@ -4693,7 +4693,7 @@
             <a:pPr>
               <a:defRPr/>
             </a:pPr>
-            <a:fld id="{58CBA98B-2208-4C99-9D31-56046DF5FB2D}" type="datetimeFigureOut">
+            <a:fld id="{1EBB70BF-6AA9-451C-A75E-64CD1D1E694E}" type="datetimeFigureOut">
               <a:rPr lang="es-PE"/>
               <a:pPr>
                 <a:defRPr/>
@@ -4752,7 +4752,7 @@
             <a:pPr>
               <a:defRPr/>
             </a:pPr>
-            <a:fld id="{5BE0F279-8CC5-44CD-BBDF-DBAA1BB30E06}" type="slidenum">
+            <a:fld id="{5E29D25E-6EBD-40DA-86CD-3AC27E71FDA5}" type="slidenum">
               <a:rPr lang="es-PE"/>
               <a:pPr>
                 <a:defRPr/>
@@ -4885,7 +4885,7 @@
             <a:pPr>
               <a:defRPr/>
             </a:pPr>
-            <a:fld id="{C7B7BBE3-01FC-4B6B-86D6-FB9583122D43}" type="datetimeFigureOut">
+            <a:fld id="{C1000259-4141-4C0C-8B97-3A691C6C2F37}" type="datetimeFigureOut">
               <a:rPr lang="es-PE"/>
               <a:pPr>
                 <a:defRPr/>
@@ -4944,7 +4944,7 @@
             <a:pPr>
               <a:defRPr/>
             </a:pPr>
-            <a:fld id="{87469BF3-C183-4699-A7C5-7DEBEF450976}" type="slidenum">
+            <a:fld id="{C0CC5FEF-76E6-4460-A167-E0F247161119}" type="slidenum">
               <a:rPr lang="es-PE"/>
               <a:pPr>
                 <a:defRPr/>
@@ -6802,7 +6802,7 @@
             <a:pPr>
               <a:defRPr/>
             </a:pPr>
-            <a:fld id="{A70B7CE5-6FAF-4457-AA44-DD498C3DCA28}" type="datetimeFigureOut">
+            <a:fld id="{45FADABD-F378-4A49-94B0-552CFF3FC823}" type="datetimeFigureOut">
               <a:rPr lang="es-PE"/>
               <a:pPr>
                 <a:defRPr/>
@@ -6861,7 +6861,7 @@
             <a:pPr>
               <a:defRPr/>
             </a:pPr>
-            <a:fld id="{BBDD7191-0A13-43AB-A860-25D736C6B841}" type="slidenum">
+            <a:fld id="{11C5BFCC-B01C-48F1-BB51-20660C7B9982}" type="slidenum">
               <a:rPr lang="es-PE"/>
               <a:pPr>
                 <a:defRPr/>
@@ -7056,7 +7056,7 @@
             <a:pPr>
               <a:defRPr/>
             </a:pPr>
-            <a:fld id="{CA014CD8-C730-4D76-BE3B-5D86BBAE06EE}" type="datetimeFigureOut">
+            <a:fld id="{E9D7D5AC-B69B-410B-8F8B-CE82C143A955}" type="datetimeFigureOut">
               <a:rPr lang="es-PE"/>
               <a:pPr>
                 <a:defRPr/>
@@ -7115,7 +7115,7 @@
             <a:pPr>
               <a:defRPr/>
             </a:pPr>
-            <a:fld id="{51157274-8637-4449-9925-E9ABCC90563D}" type="slidenum">
+            <a:fld id="{2FFCAAF6-7A49-4EA9-B3C2-099E8A07FB7D}" type="slidenum">
               <a:rPr lang="es-PE"/>
               <a:pPr>
                 <a:defRPr/>
@@ -7510,7 +7510,7 @@
             <a:pPr>
               <a:defRPr/>
             </a:pPr>
-            <a:fld id="{9740926D-0B00-4679-887D-AB6337DA6567}" type="datetimeFigureOut">
+            <a:fld id="{7B2763A9-C3B6-4444-A3FA-EC89522358E2}" type="datetimeFigureOut">
               <a:rPr lang="es-PE"/>
               <a:pPr>
                 <a:defRPr/>
@@ -7569,7 +7569,7 @@
             <a:pPr>
               <a:defRPr/>
             </a:pPr>
-            <a:fld id="{12195DD8-94D4-468D-BED7-A2B9C2C702EA}" type="slidenum">
+            <a:fld id="{D6215988-D716-40E0-8058-1B14E31318C6}" type="slidenum">
               <a:rPr lang="es-PE"/>
               <a:pPr>
                 <a:defRPr/>
@@ -7650,7 +7650,7 @@
             <a:pPr>
               <a:defRPr/>
             </a:pPr>
-            <a:fld id="{FB90A142-4F91-4935-90BA-320A303DEF8A}" type="datetimeFigureOut">
+            <a:fld id="{C4895C73-04E6-492C-B494-B9698AC0C56B}" type="datetimeFigureOut">
               <a:rPr lang="es-PE"/>
               <a:pPr>
                 <a:defRPr/>
@@ -7709,7 +7709,7 @@
             <a:pPr>
               <a:defRPr/>
             </a:pPr>
-            <a:fld id="{D28C645D-1717-4057-BA55-50336CA4FA53}" type="slidenum">
+            <a:fld id="{20019E3F-D4DE-4D9A-B406-BC0A372A6BD8}" type="slidenum">
               <a:rPr lang="es-PE"/>
               <a:pPr>
                 <a:defRPr/>
@@ -9431,7 +9431,7 @@
             <a:pPr>
               <a:defRPr/>
             </a:pPr>
-            <a:fld id="{83F3C7E2-1DA7-492F-AD55-FAC74F4AB098}" type="datetimeFigureOut">
+            <a:fld id="{21CCEB4F-4C0F-49CC-A6D5-CD14E1E2F35B}" type="datetimeFigureOut">
               <a:rPr lang="es-PE"/>
               <a:pPr>
                 <a:defRPr/>
@@ -9490,7 +9490,7 @@
             <a:pPr>
               <a:defRPr/>
             </a:pPr>
-            <a:fld id="{7E15D717-8415-4298-BA7D-050FC392C942}" type="slidenum">
+            <a:fld id="{1BA975CC-1B6D-480D-8848-DF6CC2254099}" type="slidenum">
               <a:rPr lang="es-PE"/>
               <a:pPr>
                 <a:defRPr/>
@@ -11447,7 +11447,7 @@
             <a:pPr>
               <a:defRPr/>
             </a:pPr>
-            <a:fld id="{A6F75E3F-0099-48B8-B686-5077E5899F90}" type="datetimeFigureOut">
+            <a:fld id="{AC38EE98-D5F8-4BF2-A4AB-EE57D828D518}" type="datetimeFigureOut">
               <a:rPr lang="es-PE"/>
               <a:pPr>
                 <a:defRPr/>
@@ -11506,7 +11506,7 @@
             <a:pPr>
               <a:defRPr/>
             </a:pPr>
-            <a:fld id="{E548DEA7-CF33-45D3-9FD9-06E03F06930F}" type="slidenum">
+            <a:fld id="{8C89BC39-5C65-4BAC-9389-D8DE75205DA7}" type="slidenum">
               <a:rPr lang="es-PE"/>
               <a:pPr>
                 <a:defRPr/>
@@ -13434,7 +13434,7 @@
             <a:pPr>
               <a:defRPr/>
             </a:pPr>
-            <a:fld id="{87EF448E-BBC4-4AE8-823B-46F402A82699}" type="datetimeFigureOut">
+            <a:fld id="{5AD12A1C-D621-4F31-9BBC-6C0D8AED801E}" type="datetimeFigureOut">
               <a:rPr lang="es-PE"/>
               <a:pPr>
                 <a:defRPr/>
@@ -13493,7 +13493,7 @@
             <a:pPr>
               <a:defRPr/>
             </a:pPr>
-            <a:fld id="{A1BF41F1-907B-41D3-B484-192B202A10F9}" type="slidenum">
+            <a:fld id="{789AB8DC-64C8-47D6-A962-0E3A8B6591A8}" type="slidenum">
               <a:rPr lang="es-PE"/>
               <a:pPr>
                 <a:defRPr/>
@@ -15282,7 +15282,7 @@
             <a:pPr>
               <a:defRPr/>
             </a:pPr>
-            <a:fld id="{89DAD614-F1B7-402D-AD41-44D37BF770E2}" type="datetimeFigureOut">
+            <a:fld id="{BE5D618C-9EBD-411B-8972-E509FE6A5D01}" type="datetimeFigureOut">
               <a:rPr lang="es-PE"/>
               <a:pPr>
                 <a:defRPr/>
@@ -15379,7 +15379,7 @@
             <a:pPr>
               <a:defRPr/>
             </a:pPr>
-            <a:fld id="{D1939A2C-95AF-41AE-B39B-8B4CF45B2AA2}" type="slidenum">
+            <a:fld id="{4A7945EB-0E2B-40A5-A80F-466CEF21B4B9}" type="slidenum">
               <a:rPr lang="es-PE"/>
               <a:pPr>
                 <a:defRPr/>
@@ -16008,7 +16008,7 @@
       </p:sp>
       <p:pic>
         <p:nvPicPr>
-          <p:cNvPr id="15365" name="Picture 5"/>
+          <p:cNvPr id="15364" name="Picture 5"/>
           <p:cNvPicPr>
             <a:picLocks noChangeAspect="1" noChangeArrowheads="1"/>
           </p:cNvPicPr>
@@ -16041,6 +16041,12 @@
             <a:avLst/>
           </a:prstGeom>
           <a:noFill/>
+          <a:ln w="9525">
+            <a:noFill/>
+            <a:miter lim="800000"/>
+            <a:headEnd/>
+            <a:tailEnd/>
+          </a:ln>
         </p:spPr>
       </p:pic>
     </p:spTree>
@@ -16077,7 +16083,7 @@
       </p:grpSpPr>
       <p:sp>
         <p:nvSpPr>
-          <p:cNvPr id="65538" name="2 Título"/>
+          <p:cNvPr id="24577" name="2 Título"/>
           <p:cNvSpPr>
             <a:spLocks noGrp="1"/>
           </p:cNvSpPr>
@@ -16106,7 +16112,7 @@
       </p:sp>
       <p:sp>
         <p:nvSpPr>
-          <p:cNvPr id="65539" name="Text Box 3"/>
+          <p:cNvPr id="24578" name="Text Box 3"/>
           <p:cNvSpPr txBox="1">
             <a:spLocks noChangeArrowheads="1"/>
           </p:cNvSpPr>
@@ -16127,7 +16133,6 @@
             <a:headEnd/>
             <a:tailEnd/>
           </a:ln>
-          <a:effectLst/>
         </p:spPr>
         <p:txBody>
           <a:bodyPr>
@@ -16206,7 +16211,7 @@
       </p:grpSpPr>
       <p:sp>
         <p:nvSpPr>
-          <p:cNvPr id="66562" name="2 Título"/>
+          <p:cNvPr id="25601" name="2 Título"/>
           <p:cNvSpPr>
             <a:spLocks noGrp="1"/>
           </p:cNvSpPr>
@@ -16235,7 +16240,7 @@
       </p:sp>
       <p:sp>
         <p:nvSpPr>
-          <p:cNvPr id="66563" name="Text Box 3"/>
+          <p:cNvPr id="25602" name="Text Box 3"/>
           <p:cNvSpPr txBox="1">
             <a:spLocks noChangeArrowheads="1"/>
           </p:cNvSpPr>
@@ -16256,7 +16261,6 @@
             <a:headEnd/>
             <a:tailEnd/>
           </a:ln>
-          <a:effectLst/>
         </p:spPr>
         <p:txBody>
           <a:bodyPr>
@@ -16356,7 +16360,7 @@
       </p:grpSpPr>
       <p:sp>
         <p:nvSpPr>
-          <p:cNvPr id="68610" name="2 Título"/>
+          <p:cNvPr id="26625" name="2 Título"/>
           <p:cNvSpPr>
             <a:spLocks noGrp="1"/>
           </p:cNvSpPr>
@@ -16385,7 +16389,7 @@
       </p:sp>
       <p:pic>
         <p:nvPicPr>
-          <p:cNvPr id="68612" name="Picture 4"/>
+          <p:cNvPr id="26626" name="Picture 4"/>
           <p:cNvPicPr>
             <a:picLocks noChangeAspect="1" noChangeArrowheads="1"/>
           </p:cNvPicPr>
@@ -16442,7 +16446,7 @@
       </p:grpSpPr>
       <p:sp>
         <p:nvSpPr>
-          <p:cNvPr id="69634" name="2 Título"/>
+          <p:cNvPr id="27649" name="2 Título"/>
           <p:cNvSpPr>
             <a:spLocks noGrp="1"/>
           </p:cNvSpPr>
@@ -16471,7 +16475,7 @@
       </p:sp>
       <p:pic>
         <p:nvPicPr>
-          <p:cNvPr id="69636" name="Picture 4"/>
+          <p:cNvPr id="27650" name="Picture 4"/>
           <p:cNvPicPr>
             <a:picLocks noChangeAspect="1" noChangeArrowheads="1"/>
           </p:cNvPicPr>
@@ -16528,7 +16532,7 @@
       </p:grpSpPr>
       <p:sp>
         <p:nvSpPr>
-          <p:cNvPr id="59394" name="2 Título"/>
+          <p:cNvPr id="28673" name="2 Título"/>
           <p:cNvSpPr>
             <a:spLocks noGrp="1"/>
           </p:cNvSpPr>
@@ -16585,7 +16589,7 @@
       </p:grpSpPr>
       <p:sp>
         <p:nvSpPr>
-          <p:cNvPr id="70658" name="2 Título"/>
+          <p:cNvPr id="29697" name="2 Título"/>
           <p:cNvSpPr>
             <a:spLocks noGrp="1"/>
           </p:cNvSpPr>
@@ -16614,7 +16618,7 @@
       </p:sp>
       <p:pic>
         <p:nvPicPr>
-          <p:cNvPr id="70660" name="Picture 4"/>
+          <p:cNvPr id="29698" name="Picture 4"/>
           <p:cNvPicPr>
             <a:picLocks noChangeAspect="1" noChangeArrowheads="1"/>
           </p:cNvPicPr>
@@ -16671,7 +16675,7 @@
       </p:grpSpPr>
       <p:sp>
         <p:nvSpPr>
-          <p:cNvPr id="60418" name="2 Título"/>
+          <p:cNvPr id="30721" name="2 Título"/>
           <p:cNvSpPr>
             <a:spLocks noGrp="1"/>
           </p:cNvSpPr>
@@ -16700,7 +16704,7 @@
       </p:sp>
       <p:pic>
         <p:nvPicPr>
-          <p:cNvPr id="60421" name="Picture 5"/>
+          <p:cNvPr id="30722" name="Picture 5"/>
           <p:cNvPicPr>
             <a:picLocks noChangeAspect="1" noChangeArrowheads="1"/>
           </p:cNvPicPr>
@@ -16757,7 +16761,7 @@
       </p:grpSpPr>
       <p:sp>
         <p:nvSpPr>
-          <p:cNvPr id="61442" name="2 Título"/>
+          <p:cNvPr id="31745" name="2 Título"/>
           <p:cNvSpPr>
             <a:spLocks noGrp="1"/>
           </p:cNvSpPr>
@@ -16786,7 +16790,7 @@
       </p:sp>
       <p:pic>
         <p:nvPicPr>
-          <p:cNvPr id="61444" name="Picture 4"/>
+          <p:cNvPr id="31746" name="Picture 4"/>
           <p:cNvPicPr>
             <a:picLocks noChangeAspect="1" noChangeArrowheads="1"/>
           </p:cNvPicPr>
@@ -16843,7 +16847,7 @@
       </p:grpSpPr>
       <p:sp>
         <p:nvSpPr>
-          <p:cNvPr id="62466" name="2 Título"/>
+          <p:cNvPr id="32769" name="2 Título"/>
           <p:cNvSpPr>
             <a:spLocks noGrp="1"/>
           </p:cNvSpPr>
@@ -16872,7 +16876,7 @@
       </p:sp>
       <p:pic>
         <p:nvPicPr>
-          <p:cNvPr id="62468" name="Picture 4"/>
+          <p:cNvPr id="32770" name="Picture 4"/>
           <p:cNvPicPr>
             <a:picLocks noChangeAspect="1" noChangeArrowheads="1"/>
           </p:cNvPicPr>
@@ -16929,7 +16933,7 @@
       </p:grpSpPr>
       <p:sp>
         <p:nvSpPr>
-          <p:cNvPr id="71682" name="2 Título"/>
+          <p:cNvPr id="33793" name="2 Título"/>
           <p:cNvSpPr>
             <a:spLocks noGrp="1"/>
           </p:cNvSpPr>
@@ -17018,7 +17022,7 @@
       </p:sp>
       <p:sp>
         <p:nvSpPr>
-          <p:cNvPr id="16387" name="2 Título"/>
+          <p:cNvPr id="16386" name="2 Título"/>
           <p:cNvSpPr>
             <a:spLocks/>
           </p:cNvSpPr>
@@ -17183,7 +17187,7 @@
       </p:grpSpPr>
       <p:sp>
         <p:nvSpPr>
-          <p:cNvPr id="73730" name="2 Título"/>
+          <p:cNvPr id="34817" name="2 Título"/>
           <p:cNvSpPr>
             <a:spLocks noGrp="1"/>
           </p:cNvSpPr>
@@ -17240,7 +17244,7 @@
       </p:grpSpPr>
       <p:sp>
         <p:nvSpPr>
-          <p:cNvPr id="74754" name="2 Título"/>
+          <p:cNvPr id="35841" name="2 Título"/>
           <p:cNvSpPr>
             <a:spLocks noGrp="1"/>
           </p:cNvSpPr>
@@ -17297,7 +17301,7 @@
       </p:grpSpPr>
       <p:sp>
         <p:nvSpPr>
-          <p:cNvPr id="72706" name="2 Título"/>
+          <p:cNvPr id="36865" name="2 Título"/>
           <p:cNvSpPr>
             <a:spLocks noGrp="1"/>
           </p:cNvSpPr>
@@ -17354,7 +17358,7 @@
       </p:grpSpPr>
       <p:sp>
         <p:nvSpPr>
-          <p:cNvPr id="75778" name="2 Título"/>
+          <p:cNvPr id="37889" name="2 Título"/>
           <p:cNvSpPr>
             <a:spLocks noGrp="1"/>
           </p:cNvSpPr>
@@ -17386,7 +17390,7 @@
       </p:sp>
       <p:pic>
         <p:nvPicPr>
-          <p:cNvPr id="75779" name="Picture 3"/>
+          <p:cNvPr id="37890" name="Picture 3"/>
           <p:cNvPicPr>
             <a:picLocks noChangeAspect="1" noChangeArrowheads="1"/>
           </p:cNvPicPr>
@@ -17443,7 +17447,7 @@
       </p:grpSpPr>
       <p:sp>
         <p:nvSpPr>
-          <p:cNvPr id="76802" name="2 Título"/>
+          <p:cNvPr id="38913" name="2 Título"/>
           <p:cNvSpPr>
             <a:spLocks noGrp="1"/>
           </p:cNvSpPr>
@@ -17475,7 +17479,7 @@
       </p:sp>
       <p:pic>
         <p:nvPicPr>
-          <p:cNvPr id="76803" name="Picture 3"/>
+          <p:cNvPr id="38914" name="Picture 3"/>
           <p:cNvPicPr>
             <a:picLocks noChangeAspect="1" noChangeArrowheads="1"/>
           </p:cNvPicPr>
@@ -17532,7 +17536,7 @@
       </p:grpSpPr>
       <p:sp>
         <p:nvSpPr>
-          <p:cNvPr id="77826" name="2 Título"/>
+          <p:cNvPr id="39937" name="2 Título"/>
           <p:cNvSpPr>
             <a:spLocks noGrp="1"/>
           </p:cNvSpPr>
@@ -17589,7 +17593,7 @@
       </p:grpSpPr>
       <p:sp>
         <p:nvSpPr>
-          <p:cNvPr id="78850" name="2 Título"/>
+          <p:cNvPr id="40961" name="2 Título"/>
           <p:cNvSpPr>
             <a:spLocks noGrp="1"/>
           </p:cNvSpPr>
@@ -17618,7 +17622,7 @@
       </p:sp>
       <p:pic>
         <p:nvPicPr>
-          <p:cNvPr id="78855" name="Picture 7"/>
+          <p:cNvPr id="40962" name="Picture 7"/>
           <p:cNvPicPr>
             <a:picLocks noChangeAspect="1" noChangeArrowheads="1"/>
           </p:cNvPicPr>
@@ -17640,6 +17644,12 @@
             <a:avLst/>
           </a:prstGeom>
           <a:noFill/>
+          <a:ln w="9525">
+            <a:noFill/>
+            <a:miter lim="800000"/>
+            <a:headEnd/>
+            <a:tailEnd/>
+          </a:ln>
         </p:spPr>
       </p:pic>
     </p:spTree>
@@ -17669,7 +17679,7 @@
       </p:grpSpPr>
       <p:sp>
         <p:nvSpPr>
-          <p:cNvPr id="79874" name="2 Título"/>
+          <p:cNvPr id="41985" name="2 Título"/>
           <p:cNvSpPr>
             <a:spLocks noGrp="1"/>
           </p:cNvSpPr>
@@ -17698,7 +17708,7 @@
       </p:sp>
       <p:pic>
         <p:nvPicPr>
-          <p:cNvPr id="79876" name="Picture 4"/>
+          <p:cNvPr id="41986" name="Picture 4"/>
           <p:cNvPicPr>
             <a:picLocks noChangeAspect="1" noChangeArrowheads="1"/>
           </p:cNvPicPr>
@@ -17726,7 +17736,6 @@
             <a:headEnd/>
             <a:tailEnd/>
           </a:ln>
-          <a:effectLst/>
         </p:spPr>
       </p:pic>
     </p:spTree>
@@ -17756,7 +17765,7 @@
       </p:grpSpPr>
       <p:sp>
         <p:nvSpPr>
-          <p:cNvPr id="80898" name="2 Título"/>
+          <p:cNvPr id="43009" name="2 Título"/>
           <p:cNvSpPr>
             <a:spLocks noGrp="1"/>
           </p:cNvSpPr>
@@ -17785,7 +17794,7 @@
       </p:sp>
       <p:pic>
         <p:nvPicPr>
-          <p:cNvPr id="80900" name="Picture 4"/>
+          <p:cNvPr id="43010" name="Picture 4"/>
           <p:cNvPicPr>
             <a:picLocks noChangeAspect="1" noChangeArrowheads="1"/>
           </p:cNvPicPr>
@@ -17813,7 +17822,6 @@
             <a:headEnd/>
             <a:tailEnd/>
           </a:ln>
-          <a:effectLst/>
         </p:spPr>
       </p:pic>
     </p:spTree>
@@ -17843,7 +17851,7 @@
       </p:grpSpPr>
       <p:sp>
         <p:nvSpPr>
-          <p:cNvPr id="81922" name="2 Título"/>
+          <p:cNvPr id="44033" name="2 Título"/>
           <p:cNvSpPr>
             <a:spLocks noGrp="1"/>
           </p:cNvSpPr>
@@ -17872,7 +17880,7 @@
       </p:sp>
       <p:pic>
         <p:nvPicPr>
-          <p:cNvPr id="81924" name="Picture 4"/>
+          <p:cNvPr id="44034" name="Picture 4"/>
           <p:cNvPicPr>
             <a:picLocks noChangeAspect="1" noChangeArrowheads="1"/>
           </p:cNvPicPr>
@@ -17900,7 +17908,6 @@
             <a:headEnd/>
             <a:tailEnd/>
           </a:ln>
-          <a:effectLst/>
         </p:spPr>
       </p:pic>
     </p:spTree>
@@ -17930,7 +17937,7 @@
       </p:grpSpPr>
       <p:sp>
         <p:nvSpPr>
-          <p:cNvPr id="24577" name="2 Título"/>
+          <p:cNvPr id="17409" name="2 Título"/>
           <p:cNvSpPr>
             <a:spLocks noGrp="1"/>
           </p:cNvSpPr>
@@ -17987,7 +17994,7 @@
       </p:grpSpPr>
       <p:sp>
         <p:nvSpPr>
-          <p:cNvPr id="82946" name="2 Título"/>
+          <p:cNvPr id="45057" name="2 Título"/>
           <p:cNvSpPr>
             <a:spLocks noGrp="1"/>
           </p:cNvSpPr>
@@ -18044,7 +18051,7 @@
       </p:grpSpPr>
       <p:sp>
         <p:nvSpPr>
-          <p:cNvPr id="83970" name="2 Título"/>
+          <p:cNvPr id="46081" name="2 Título"/>
           <p:cNvSpPr>
             <a:spLocks noGrp="1"/>
           </p:cNvSpPr>
@@ -18101,7 +18108,7 @@
       </p:grpSpPr>
       <p:sp>
         <p:nvSpPr>
-          <p:cNvPr id="84994" name="2 Título"/>
+          <p:cNvPr id="47105" name="2 Título"/>
           <p:cNvSpPr>
             <a:spLocks noGrp="1"/>
           </p:cNvSpPr>
@@ -18158,7 +18165,7 @@
       </p:grpSpPr>
       <p:sp>
         <p:nvSpPr>
-          <p:cNvPr id="86018" name="2 Título"/>
+          <p:cNvPr id="48129" name="2 Título"/>
           <p:cNvSpPr>
             <a:spLocks noGrp="1"/>
           </p:cNvSpPr>
@@ -18215,7 +18222,7 @@
       </p:grpSpPr>
       <p:sp>
         <p:nvSpPr>
-          <p:cNvPr id="87042" name="2 Título"/>
+          <p:cNvPr id="49153" name="2 Título"/>
           <p:cNvSpPr>
             <a:spLocks noGrp="1"/>
           </p:cNvSpPr>
@@ -18245,6 +18252,39 @@
           </a:p>
         </p:txBody>
       </p:sp>
+      <p:pic>
+        <p:nvPicPr>
+          <p:cNvPr id="49155" name="Picture 3"/>
+          <p:cNvPicPr>
+            <a:picLocks noChangeAspect="1" noChangeArrowheads="1"/>
+          </p:cNvPicPr>
+          <p:nvPr/>
+        </p:nvPicPr>
+        <p:blipFill>
+          <a:blip r:embed="rId2"/>
+          <a:srcRect/>
+          <a:stretch>
+            <a:fillRect/>
+          </a:stretch>
+        </p:blipFill>
+        <p:spPr bwMode="auto">
+          <a:xfrm>
+            <a:off x="1619250" y="1557338"/>
+            <a:ext cx="6467475" cy="4924425"/>
+          </a:xfrm>
+          <a:prstGeom prst="rect">
+            <a:avLst/>
+          </a:prstGeom>
+          <a:noFill/>
+          <a:ln w="9525">
+            <a:noFill/>
+            <a:miter lim="800000"/>
+            <a:headEnd/>
+            <a:tailEnd/>
+          </a:ln>
+          <a:effectLst/>
+        </p:spPr>
+      </p:pic>
     </p:spTree>
   </p:cSld>
   <p:clrMapOvr>
@@ -18272,7 +18312,7 @@
       </p:grpSpPr>
       <p:sp>
         <p:nvSpPr>
-          <p:cNvPr id="88066" name="2 Título"/>
+          <p:cNvPr id="50177" name="2 Título"/>
           <p:cNvSpPr>
             <a:spLocks noGrp="1"/>
           </p:cNvSpPr>
@@ -18302,6 +18342,39 @@
           </a:p>
         </p:txBody>
       </p:sp>
+      <p:pic>
+        <p:nvPicPr>
+          <p:cNvPr id="50179" name="Picture 3"/>
+          <p:cNvPicPr>
+            <a:picLocks noChangeAspect="1" noChangeArrowheads="1"/>
+          </p:cNvPicPr>
+          <p:nvPr/>
+        </p:nvPicPr>
+        <p:blipFill>
+          <a:blip r:embed="rId2"/>
+          <a:srcRect/>
+          <a:stretch>
+            <a:fillRect/>
+          </a:stretch>
+        </p:blipFill>
+        <p:spPr bwMode="auto">
+          <a:xfrm>
+            <a:off x="1320800" y="1433513"/>
+            <a:ext cx="6635750" cy="5235575"/>
+          </a:xfrm>
+          <a:prstGeom prst="rect">
+            <a:avLst/>
+          </a:prstGeom>
+          <a:noFill/>
+          <a:ln w="9525">
+            <a:noFill/>
+            <a:miter lim="800000"/>
+            <a:headEnd/>
+            <a:tailEnd/>
+          </a:ln>
+          <a:effectLst/>
+        </p:spPr>
+      </p:pic>
     </p:spTree>
   </p:cSld>
   <p:clrMapOvr>
@@ -18329,7 +18402,7 @@
       </p:grpSpPr>
       <p:sp>
         <p:nvSpPr>
-          <p:cNvPr id="49153" name="1 Título"/>
+          <p:cNvPr id="51201" name="1 Título"/>
           <p:cNvSpPr>
             <a:spLocks noGrp="1"/>
           </p:cNvSpPr>
@@ -18358,7 +18431,7 @@
       </p:sp>
       <p:sp>
         <p:nvSpPr>
-          <p:cNvPr id="49154" name="2 Subtítulo"/>
+          <p:cNvPr id="51202" name="2 Subtítulo"/>
           <p:cNvSpPr>
             <a:spLocks noGrp="1"/>
           </p:cNvSpPr>
@@ -18386,7 +18459,7 @@
       </p:sp>
       <p:sp>
         <p:nvSpPr>
-          <p:cNvPr id="49155" name="3 CuadroTexto"/>
+          <p:cNvPr id="51203" name="3 CuadroTexto"/>
           <p:cNvSpPr txBox="1">
             <a:spLocks noChangeArrowheads="1"/>
           </p:cNvSpPr>
@@ -18457,7 +18530,7 @@
       </p:sp>
       <p:sp>
         <p:nvSpPr>
-          <p:cNvPr id="49156" name="4 CuadroTexto"/>
+          <p:cNvPr id="51204" name="4 CuadroTexto"/>
           <p:cNvSpPr txBox="1">
             <a:spLocks noChangeArrowheads="1"/>
           </p:cNvSpPr>
@@ -18502,7 +18575,7 @@
       </p:sp>
       <p:pic>
         <p:nvPicPr>
-          <p:cNvPr id="49158" name="Picture 6"/>
+          <p:cNvPr id="51205" name="Picture 6"/>
           <p:cNvPicPr>
             <a:picLocks noChangeAspect="1" noChangeArrowheads="1"/>
           </p:cNvPicPr>
@@ -18535,6 +18608,12 @@
             <a:avLst/>
           </a:prstGeom>
           <a:noFill/>
+          <a:ln w="9525">
+            <a:noFill/>
+            <a:miter lim="800000"/>
+            <a:headEnd/>
+            <a:tailEnd/>
+          </a:ln>
         </p:spPr>
       </p:pic>
     </p:spTree>
@@ -18571,7 +18650,7 @@
       </p:grpSpPr>
       <p:sp>
         <p:nvSpPr>
-          <p:cNvPr id="25601" name="2 Título"/>
+          <p:cNvPr id="18433" name="2 Título"/>
           <p:cNvSpPr>
             <a:spLocks noGrp="1"/>
           </p:cNvSpPr>
@@ -18595,7 +18674,7 @@
       </p:sp>
       <p:pic>
         <p:nvPicPr>
-          <p:cNvPr id="25604" name="Picture 4"/>
+          <p:cNvPr id="18434" name="Picture 4"/>
           <p:cNvPicPr>
             <a:picLocks noChangeAspect="1" noChangeArrowheads="1"/>
           </p:cNvPicPr>
@@ -18652,7 +18731,7 @@
       </p:grpSpPr>
       <p:sp>
         <p:nvSpPr>
-          <p:cNvPr id="56322" name="2 Título"/>
+          <p:cNvPr id="19457" name="2 Título"/>
           <p:cNvSpPr>
             <a:spLocks noGrp="1"/>
           </p:cNvSpPr>
@@ -18709,7 +18788,7 @@
       </p:grpSpPr>
       <p:sp>
         <p:nvSpPr>
-          <p:cNvPr id="57346" name="2 Título"/>
+          <p:cNvPr id="20481" name="2 Título"/>
           <p:cNvSpPr>
             <a:spLocks noGrp="1"/>
           </p:cNvSpPr>
@@ -18738,7 +18817,7 @@
       </p:sp>
       <p:sp>
         <p:nvSpPr>
-          <p:cNvPr id="57348" name="Text Box 4"/>
+          <p:cNvPr id="20482" name="Text Box 4"/>
           <p:cNvSpPr txBox="1">
             <a:spLocks noChangeArrowheads="1"/>
           </p:cNvSpPr>
@@ -18759,7 +18838,6 @@
             <a:headEnd/>
             <a:tailEnd/>
           </a:ln>
-          <a:effectLst/>
         </p:spPr>
         <p:txBody>
           <a:bodyPr>
@@ -18831,7 +18909,7 @@
       </p:grpSpPr>
       <p:sp>
         <p:nvSpPr>
-          <p:cNvPr id="58370" name="2 Título"/>
+          <p:cNvPr id="21505" name="2 Título"/>
           <p:cNvSpPr>
             <a:spLocks noGrp="1"/>
           </p:cNvSpPr>
@@ -18860,7 +18938,7 @@
       </p:sp>
       <p:pic>
         <p:nvPicPr>
-          <p:cNvPr id="58372" name="Picture 4"/>
+          <p:cNvPr id="21506" name="Picture 4"/>
           <p:cNvPicPr>
             <a:picLocks noChangeAspect="1" noChangeArrowheads="1"/>
           </p:cNvPicPr>
@@ -18892,7 +18970,7 @@
       </p:pic>
       <p:sp>
         <p:nvSpPr>
-          <p:cNvPr id="58373" name="Rectangle 5"/>
+          <p:cNvPr id="21507" name="Rectangle 5"/>
           <p:cNvSpPr>
             <a:spLocks noChangeArrowheads="1"/>
           </p:cNvSpPr>
@@ -18915,7 +18993,6 @@
             <a:headEnd/>
             <a:tailEnd/>
           </a:ln>
-          <a:effectLst/>
         </p:spPr>
         <p:txBody>
           <a:bodyPr wrap="none" anchor="ctr"/>
@@ -18952,7 +19029,7 @@
       </p:grpSpPr>
       <p:sp>
         <p:nvSpPr>
-          <p:cNvPr id="63490" name="2 Título"/>
+          <p:cNvPr id="22529" name="2 Título"/>
           <p:cNvSpPr>
             <a:spLocks noGrp="1"/>
           </p:cNvSpPr>
@@ -18981,7 +19058,7 @@
       </p:sp>
       <p:sp>
         <p:nvSpPr>
-          <p:cNvPr id="63491" name="Text Box 3"/>
+          <p:cNvPr id="22530" name="Text Box 3"/>
           <p:cNvSpPr txBox="1">
             <a:spLocks noChangeArrowheads="1"/>
           </p:cNvSpPr>
@@ -19002,7 +19079,6 @@
             <a:headEnd/>
             <a:tailEnd/>
           </a:ln>
-          <a:effectLst/>
         </p:spPr>
         <p:txBody>
           <a:bodyPr>
@@ -19063,7 +19139,7 @@
       </p:grpSpPr>
       <p:sp>
         <p:nvSpPr>
-          <p:cNvPr id="64514" name="2 Título"/>
+          <p:cNvPr id="23553" name="2 Título"/>
           <p:cNvSpPr>
             <a:spLocks noGrp="1"/>
           </p:cNvSpPr>
@@ -19092,7 +19168,7 @@
       </p:sp>
       <p:sp>
         <p:nvSpPr>
-          <p:cNvPr id="64515" name="Text Box 3"/>
+          <p:cNvPr id="23554" name="Text Box 3"/>
           <p:cNvSpPr txBox="1">
             <a:spLocks noChangeArrowheads="1"/>
           </p:cNvSpPr>
@@ -19113,7 +19189,6 @@
             <a:headEnd/>
             <a:tailEnd/>
           </a:ln>
-          <a:effectLst/>
         </p:spPr>
         <p:txBody>
           <a:bodyPr>

--- a/trunk/ tsp01-contratos-clientes/BSC/PPT BSC.pptx
+++ b/trunk/ tsp01-contratos-clientes/BSC/PPT BSC.pptx
@@ -277,7 +277,7 @@
             <a:pPr>
               <a:defRPr/>
             </a:pPr>
-            <a:fld id="{DA4DF24D-1E2C-4F22-AE21-5F7A4F37EC4A}" type="datetimeFigureOut">
+            <a:fld id="{AFB76D5F-8213-47F5-870F-8EDB25CA38E2}" type="datetimeFigureOut">
               <a:rPr lang="es-PE"/>
               <a:pPr>
                 <a:defRPr/>
@@ -464,7 +464,7 @@
             <a:pPr>
               <a:defRPr/>
             </a:pPr>
-            <a:fld id="{2C8C57E6-21A3-45B5-B083-7DBB5747CCA9}" type="slidenum">
+            <a:fld id="{BA8BD42C-DEB8-48CD-AE2F-AFC5E9E3BC7C}" type="slidenum">
               <a:rPr lang="es-PE"/>
               <a:pPr>
                 <a:defRPr/>
@@ -2463,7 +2463,7 @@
             <a:pPr>
               <a:defRPr/>
             </a:pPr>
-            <a:fld id="{0A4EA007-FD7D-4887-8191-DECB44749ABF}" type="datetimeFigureOut">
+            <a:fld id="{9E1129C1-13F7-44E6-93B9-A02C08495C4A}" type="datetimeFigureOut">
               <a:rPr lang="es-PE"/>
               <a:pPr>
                 <a:defRPr/>
@@ -2522,7 +2522,7 @@
             <a:pPr>
               <a:defRPr/>
             </a:pPr>
-            <a:fld id="{FE939D6B-61B4-4C01-8A34-3652BFC08F13}" type="slidenum">
+            <a:fld id="{56FBE1CF-0CCB-43F6-A4DA-CB652E035351}" type="slidenum">
               <a:rPr lang="es-PE"/>
               <a:pPr>
                 <a:defRPr/>
@@ -2671,7 +2671,7 @@
             <a:pPr>
               <a:defRPr/>
             </a:pPr>
-            <a:fld id="{D2BD1341-461E-4EE3-AA9D-3432BBD8A44F}" type="datetimeFigureOut">
+            <a:fld id="{300CA0E9-6302-4472-9651-3A2B2B995BB6}" type="datetimeFigureOut">
               <a:rPr lang="es-PE"/>
               <a:pPr>
                 <a:defRPr/>
@@ -2730,7 +2730,7 @@
             <a:pPr>
               <a:defRPr/>
             </a:pPr>
-            <a:fld id="{F2A12ED0-966A-4E64-9316-A32794E5AC9C}" type="slidenum">
+            <a:fld id="{C93A86EA-96C8-4696-B555-0F72179994B6}" type="slidenum">
               <a:rPr lang="es-PE"/>
               <a:pPr>
                 <a:defRPr/>
@@ -4576,7 +4576,7 @@
             <a:pPr>
               <a:defRPr/>
             </a:pPr>
-            <a:fld id="{F8B1C95B-28FE-456B-B0F8-FAEC04DDCEE1}" type="datetimeFigureOut">
+            <a:fld id="{2898945E-28B6-46F1-9286-D5025E770657}" type="datetimeFigureOut">
               <a:rPr lang="es-PE"/>
               <a:pPr>
                 <a:defRPr/>
@@ -4635,7 +4635,7 @@
             <a:pPr>
               <a:defRPr/>
             </a:pPr>
-            <a:fld id="{91167115-A503-4719-91DC-8E98FF824366}" type="slidenum">
+            <a:fld id="{7A3BE4BE-9626-47D2-888B-6269C5D5EB6D}" type="slidenum">
               <a:rPr lang="es-PE"/>
               <a:pPr>
                 <a:defRPr/>
@@ -4693,7 +4693,7 @@
             <a:pPr>
               <a:defRPr/>
             </a:pPr>
-            <a:fld id="{1EBB70BF-6AA9-451C-A75E-64CD1D1E694E}" type="datetimeFigureOut">
+            <a:fld id="{1C935039-903E-43EB-8461-49C7D5B7CB5C}" type="datetimeFigureOut">
               <a:rPr lang="es-PE"/>
               <a:pPr>
                 <a:defRPr/>
@@ -4752,7 +4752,7 @@
             <a:pPr>
               <a:defRPr/>
             </a:pPr>
-            <a:fld id="{5E29D25E-6EBD-40DA-86CD-3AC27E71FDA5}" type="slidenum">
+            <a:fld id="{8CA9A6ED-C44E-4CF0-AF49-F3A79471BAA9}" type="slidenum">
               <a:rPr lang="es-PE"/>
               <a:pPr>
                 <a:defRPr/>
@@ -4885,7 +4885,7 @@
             <a:pPr>
               <a:defRPr/>
             </a:pPr>
-            <a:fld id="{C1000259-4141-4C0C-8B97-3A691C6C2F37}" type="datetimeFigureOut">
+            <a:fld id="{B5742032-5B79-46A1-A303-D209BCA63C82}" type="datetimeFigureOut">
               <a:rPr lang="es-PE"/>
               <a:pPr>
                 <a:defRPr/>
@@ -4944,7 +4944,7 @@
             <a:pPr>
               <a:defRPr/>
             </a:pPr>
-            <a:fld id="{C0CC5FEF-76E6-4460-A167-E0F247161119}" type="slidenum">
+            <a:fld id="{883EB642-31E7-415F-B6B3-7C57A39A36A2}" type="slidenum">
               <a:rPr lang="es-PE"/>
               <a:pPr>
                 <a:defRPr/>
@@ -6802,7 +6802,7 @@
             <a:pPr>
               <a:defRPr/>
             </a:pPr>
-            <a:fld id="{45FADABD-F378-4A49-94B0-552CFF3FC823}" type="datetimeFigureOut">
+            <a:fld id="{05836F30-ABC9-489B-B722-046A9F14F50B}" type="datetimeFigureOut">
               <a:rPr lang="es-PE"/>
               <a:pPr>
                 <a:defRPr/>
@@ -6861,7 +6861,7 @@
             <a:pPr>
               <a:defRPr/>
             </a:pPr>
-            <a:fld id="{11C5BFCC-B01C-48F1-BB51-20660C7B9982}" type="slidenum">
+            <a:fld id="{959D1B81-E1D2-47BF-89CB-7473C84E8C22}" type="slidenum">
               <a:rPr lang="es-PE"/>
               <a:pPr>
                 <a:defRPr/>
@@ -7056,7 +7056,7 @@
             <a:pPr>
               <a:defRPr/>
             </a:pPr>
-            <a:fld id="{E9D7D5AC-B69B-410B-8F8B-CE82C143A955}" type="datetimeFigureOut">
+            <a:fld id="{80EE23CC-1240-4515-BCC8-8DC5FF799DED}" type="datetimeFigureOut">
               <a:rPr lang="es-PE"/>
               <a:pPr>
                 <a:defRPr/>
@@ -7115,7 +7115,7 @@
             <a:pPr>
               <a:defRPr/>
             </a:pPr>
-            <a:fld id="{2FFCAAF6-7A49-4EA9-B3C2-099E8A07FB7D}" type="slidenum">
+            <a:fld id="{1B289774-0B09-43AC-93D0-4A635BE86E45}" type="slidenum">
               <a:rPr lang="es-PE"/>
               <a:pPr>
                 <a:defRPr/>
@@ -7510,7 +7510,7 @@
             <a:pPr>
               <a:defRPr/>
             </a:pPr>
-            <a:fld id="{7B2763A9-C3B6-4444-A3FA-EC89522358E2}" type="datetimeFigureOut">
+            <a:fld id="{6D437FE0-ACCF-4805-9180-92C9B33142A0}" type="datetimeFigureOut">
               <a:rPr lang="es-PE"/>
               <a:pPr>
                 <a:defRPr/>
@@ -7569,7 +7569,7 @@
             <a:pPr>
               <a:defRPr/>
             </a:pPr>
-            <a:fld id="{D6215988-D716-40E0-8058-1B14E31318C6}" type="slidenum">
+            <a:fld id="{D74E2A77-39C8-48FE-815C-493EF615687E}" type="slidenum">
               <a:rPr lang="es-PE"/>
               <a:pPr>
                 <a:defRPr/>
@@ -7650,7 +7650,7 @@
             <a:pPr>
               <a:defRPr/>
             </a:pPr>
-            <a:fld id="{C4895C73-04E6-492C-B494-B9698AC0C56B}" type="datetimeFigureOut">
+            <a:fld id="{357C190A-4BCB-4AB4-AF75-AF520D347D0A}" type="datetimeFigureOut">
               <a:rPr lang="es-PE"/>
               <a:pPr>
                 <a:defRPr/>
@@ -7709,7 +7709,7 @@
             <a:pPr>
               <a:defRPr/>
             </a:pPr>
-            <a:fld id="{20019E3F-D4DE-4D9A-B406-BC0A372A6BD8}" type="slidenum">
+            <a:fld id="{6E0C2D96-C00F-438F-8FA4-1B98C0D98985}" type="slidenum">
               <a:rPr lang="es-PE"/>
               <a:pPr>
                 <a:defRPr/>
@@ -9431,7 +9431,7 @@
             <a:pPr>
               <a:defRPr/>
             </a:pPr>
-            <a:fld id="{21CCEB4F-4C0F-49CC-A6D5-CD14E1E2F35B}" type="datetimeFigureOut">
+            <a:fld id="{913BE208-D2E9-4FFF-94F7-2F71110AFCB7}" type="datetimeFigureOut">
               <a:rPr lang="es-PE"/>
               <a:pPr>
                 <a:defRPr/>
@@ -9490,7 +9490,7 @@
             <a:pPr>
               <a:defRPr/>
             </a:pPr>
-            <a:fld id="{1BA975CC-1B6D-480D-8848-DF6CC2254099}" type="slidenum">
+            <a:fld id="{6E5FD7A2-78ED-459E-BA41-F80A8AF1709B}" type="slidenum">
               <a:rPr lang="es-PE"/>
               <a:pPr>
                 <a:defRPr/>
@@ -11447,7 +11447,7 @@
             <a:pPr>
               <a:defRPr/>
             </a:pPr>
-            <a:fld id="{AC38EE98-D5F8-4BF2-A4AB-EE57D828D518}" type="datetimeFigureOut">
+            <a:fld id="{5B0F67BE-EB5F-413D-9CED-269239573644}" type="datetimeFigureOut">
               <a:rPr lang="es-PE"/>
               <a:pPr>
                 <a:defRPr/>
@@ -11506,7 +11506,7 @@
             <a:pPr>
               <a:defRPr/>
             </a:pPr>
-            <a:fld id="{8C89BC39-5C65-4BAC-9389-D8DE75205DA7}" type="slidenum">
+            <a:fld id="{7E35C1B4-DE39-4F42-894D-55C253D5F76B}" type="slidenum">
               <a:rPr lang="es-PE"/>
               <a:pPr>
                 <a:defRPr/>
@@ -13434,7 +13434,7 @@
             <a:pPr>
               <a:defRPr/>
             </a:pPr>
-            <a:fld id="{5AD12A1C-D621-4F31-9BBC-6C0D8AED801E}" type="datetimeFigureOut">
+            <a:fld id="{E3ACE086-AB84-4480-AD6F-2A2FC9F06E53}" type="datetimeFigureOut">
               <a:rPr lang="es-PE"/>
               <a:pPr>
                 <a:defRPr/>
@@ -13493,7 +13493,7 @@
             <a:pPr>
               <a:defRPr/>
             </a:pPr>
-            <a:fld id="{789AB8DC-64C8-47D6-A962-0E3A8B6591A8}" type="slidenum">
+            <a:fld id="{D4242055-BFF9-4BAB-93A7-EB7AAB70F6EA}" type="slidenum">
               <a:rPr lang="es-PE"/>
               <a:pPr>
                 <a:defRPr/>
@@ -15282,7 +15282,7 @@
             <a:pPr>
               <a:defRPr/>
             </a:pPr>
-            <a:fld id="{BE5D618C-9EBD-411B-8972-E509FE6A5D01}" type="datetimeFigureOut">
+            <a:fld id="{8479E1A6-CA88-461C-910A-C5A9B7BFE776}" type="datetimeFigureOut">
               <a:rPr lang="es-PE"/>
               <a:pPr>
                 <a:defRPr/>
@@ -15379,7 +15379,7 @@
             <a:pPr>
               <a:defRPr/>
             </a:pPr>
-            <a:fld id="{4A7945EB-0E2B-40A5-A80F-466CEF21B4B9}" type="slidenum">
+            <a:fld id="{C16FF4D9-960A-422A-B14E-097219C304EE}" type="slidenum">
               <a:rPr lang="es-PE"/>
               <a:pPr>
                 <a:defRPr/>
@@ -17217,6 +17217,38 @@
           </a:p>
         </p:txBody>
       </p:sp>
+      <p:pic>
+        <p:nvPicPr>
+          <p:cNvPr id="34819" name="Picture 3"/>
+          <p:cNvPicPr>
+            <a:picLocks noChangeAspect="1" noChangeArrowheads="1"/>
+          </p:cNvPicPr>
+          <p:nvPr/>
+        </p:nvPicPr>
+        <p:blipFill>
+          <a:blip r:embed="rId2"/>
+          <a:srcRect/>
+          <a:stretch>
+            <a:fillRect/>
+          </a:stretch>
+        </p:blipFill>
+        <p:spPr bwMode="auto">
+          <a:xfrm>
+            <a:off x="684213" y="1700213"/>
+            <a:ext cx="8115300" cy="4800600"/>
+          </a:xfrm>
+          <a:prstGeom prst="rect">
+            <a:avLst/>
+          </a:prstGeom>
+          <a:noFill/>
+          <a:ln w="9525">
+            <a:noFill/>
+            <a:miter lim="800000"/>
+            <a:headEnd/>
+            <a:tailEnd/>
+          </a:ln>
+        </p:spPr>
+      </p:pic>
     </p:spTree>
   </p:cSld>
   <p:clrMapOvr>
@@ -17254,7 +17286,7 @@
         </p:nvSpPr>
         <p:spPr>
           <a:xfrm>
-            <a:off x="468313" y="692150"/>
+            <a:off x="468313" y="333375"/>
             <a:ext cx="8445500" cy="1252538"/>
           </a:xfrm>
         </p:spPr>
@@ -17274,6 +17306,38 @@
           </a:p>
         </p:txBody>
       </p:sp>
+      <p:pic>
+        <p:nvPicPr>
+          <p:cNvPr id="35843" name="Picture 3"/>
+          <p:cNvPicPr>
+            <a:picLocks noChangeAspect="1" noChangeArrowheads="1"/>
+          </p:cNvPicPr>
+          <p:nvPr/>
+        </p:nvPicPr>
+        <p:blipFill>
+          <a:blip r:embed="rId2"/>
+          <a:srcRect/>
+          <a:stretch>
+            <a:fillRect/>
+          </a:stretch>
+        </p:blipFill>
+        <p:spPr bwMode="auto">
+          <a:xfrm>
+            <a:off x="1547813" y="1555750"/>
+            <a:ext cx="6184900" cy="5257800"/>
+          </a:xfrm>
+          <a:prstGeom prst="rect">
+            <a:avLst/>
+          </a:prstGeom>
+          <a:noFill/>
+          <a:ln w="9525">
+            <a:noFill/>
+            <a:miter lim="800000"/>
+            <a:headEnd/>
+            <a:tailEnd/>
+          </a:ln>
+        </p:spPr>
+      </p:pic>
     </p:spTree>
   </p:cSld>
   <p:clrMapOvr>
@@ -18081,6 +18145,38 @@
           </a:p>
         </p:txBody>
       </p:sp>
+      <p:pic>
+        <p:nvPicPr>
+          <p:cNvPr id="46083" name="Picture 3"/>
+          <p:cNvPicPr>
+            <a:picLocks noChangeAspect="1" noChangeArrowheads="1"/>
+          </p:cNvPicPr>
+          <p:nvPr/>
+        </p:nvPicPr>
+        <p:blipFill>
+          <a:blip r:embed="rId2"/>
+          <a:srcRect/>
+          <a:stretch>
+            <a:fillRect/>
+          </a:stretch>
+        </p:blipFill>
+        <p:spPr bwMode="auto">
+          <a:xfrm>
+            <a:off x="1403350" y="1700213"/>
+            <a:ext cx="6629400" cy="4749800"/>
+          </a:xfrm>
+          <a:prstGeom prst="rect">
+            <a:avLst/>
+          </a:prstGeom>
+          <a:noFill/>
+          <a:ln w="9525">
+            <a:noFill/>
+            <a:miter lim="800000"/>
+            <a:headEnd/>
+            <a:tailEnd/>
+          </a:ln>
+        </p:spPr>
+      </p:pic>
     </p:spTree>
   </p:cSld>
   <p:clrMapOvr>
@@ -18138,6 +18234,38 @@
           </a:p>
         </p:txBody>
       </p:sp>
+      <p:pic>
+        <p:nvPicPr>
+          <p:cNvPr id="47107" name="Picture 3"/>
+          <p:cNvPicPr>
+            <a:picLocks noChangeAspect="1" noChangeArrowheads="1"/>
+          </p:cNvPicPr>
+          <p:nvPr/>
+        </p:nvPicPr>
+        <p:blipFill>
+          <a:blip r:embed="rId2"/>
+          <a:srcRect/>
+          <a:stretch>
+            <a:fillRect/>
+          </a:stretch>
+        </p:blipFill>
+        <p:spPr bwMode="auto">
+          <a:xfrm>
+            <a:off x="971550" y="2133600"/>
+            <a:ext cx="7429500" cy="4445000"/>
+          </a:xfrm>
+          <a:prstGeom prst="rect">
+            <a:avLst/>
+          </a:prstGeom>
+          <a:noFill/>
+          <a:ln w="9525">
+            <a:noFill/>
+            <a:miter lim="800000"/>
+            <a:headEnd/>
+            <a:tailEnd/>
+          </a:ln>
+        </p:spPr>
+      </p:pic>
     </p:spTree>
   </p:cSld>
   <p:clrMapOvr>
@@ -18254,7 +18382,7 @@
       </p:sp>
       <p:pic>
         <p:nvPicPr>
-          <p:cNvPr id="49155" name="Picture 3"/>
+          <p:cNvPr id="49154" name="Picture 3"/>
           <p:cNvPicPr>
             <a:picLocks noChangeAspect="1" noChangeArrowheads="1"/>
           </p:cNvPicPr>
@@ -18282,7 +18410,6 @@
             <a:headEnd/>
             <a:tailEnd/>
           </a:ln>
-          <a:effectLst/>
         </p:spPr>
       </p:pic>
     </p:spTree>
@@ -18344,7 +18471,7 @@
       </p:sp>
       <p:pic>
         <p:nvPicPr>
-          <p:cNvPr id="50179" name="Picture 3"/>
+          <p:cNvPr id="50178" name="Picture 3"/>
           <p:cNvPicPr>
             <a:picLocks noChangeAspect="1" noChangeArrowheads="1"/>
           </p:cNvPicPr>
@@ -18372,7 +18499,6 @@
             <a:headEnd/>
             <a:tailEnd/>
           </a:ln>
-          <a:effectLst/>
         </p:spPr>
       </p:pic>
     </p:spTree>

--- a/trunk/ tsp01-contratos-clientes/BSC/PPT BSC.pptx
+++ b/trunk/ tsp01-contratos-clientes/BSC/PPT BSC.pptx
@@ -16015,7 +16015,7 @@
           <p:nvPr/>
         </p:nvPicPr>
         <p:blipFill>
-          <a:blip r:embed="rId2">
+          <a:blip r:embed="rId2" cstate="print">
             <a:clrChange>
               <a:clrFrom>
                 <a:srgbClr val="FFFFFF"/>
@@ -16396,7 +16396,7 @@
           <p:nvPr/>
         </p:nvPicPr>
         <p:blipFill>
-          <a:blip r:embed="rId2"/>
+          <a:blip r:embed="rId2" cstate="print"/>
           <a:srcRect/>
           <a:stretch>
             <a:fillRect/>
@@ -16482,7 +16482,7 @@
           <p:nvPr/>
         </p:nvPicPr>
         <p:blipFill>
-          <a:blip r:embed="rId2"/>
+          <a:blip r:embed="rId2" cstate="print"/>
           <a:srcRect/>
           <a:stretch>
             <a:fillRect/>
@@ -16625,7 +16625,7 @@
           <p:nvPr/>
         </p:nvPicPr>
         <p:blipFill>
-          <a:blip r:embed="rId2"/>
+          <a:blip r:embed="rId2" cstate="print"/>
           <a:srcRect t="7352"/>
           <a:stretch>
             <a:fillRect/>
@@ -16704,23 +16704,23 @@
       </p:sp>
       <p:pic>
         <p:nvPicPr>
-          <p:cNvPr id="30722" name="Picture 5"/>
+          <p:cNvPr id="1026" name="Picture 2"/>
           <p:cNvPicPr>
             <a:picLocks noChangeAspect="1" noChangeArrowheads="1"/>
           </p:cNvPicPr>
           <p:nvPr/>
         </p:nvPicPr>
         <p:blipFill>
-          <a:blip r:embed="rId2"/>
-          <a:srcRect/>
+          <a:blip r:embed="rId2" cstate="print"/>
+          <a:srcRect l="1953" t="31221" r="18221" b="13123"/>
           <a:stretch>
             <a:fillRect/>
           </a:stretch>
         </p:blipFill>
         <p:spPr bwMode="auto">
           <a:xfrm>
-            <a:off x="1116013" y="1508125"/>
-            <a:ext cx="6553200" cy="5305425"/>
+            <a:off x="323528" y="1988840"/>
+            <a:ext cx="8610600" cy="3746500"/>
           </a:xfrm>
           <a:prstGeom prst="rect">
             <a:avLst/>
@@ -16790,23 +16790,23 @@
       </p:sp>
       <p:pic>
         <p:nvPicPr>
-          <p:cNvPr id="31746" name="Picture 4"/>
+          <p:cNvPr id="2050" name="Picture 2"/>
           <p:cNvPicPr>
             <a:picLocks noChangeAspect="1" noChangeArrowheads="1"/>
           </p:cNvPicPr>
           <p:nvPr/>
         </p:nvPicPr>
         <p:blipFill>
-          <a:blip r:embed="rId2"/>
-          <a:srcRect/>
+          <a:blip r:embed="rId2" cstate="print"/>
+          <a:srcRect l="2071" t="6789" r="18221" b="19005"/>
           <a:stretch>
             <a:fillRect/>
           </a:stretch>
         </p:blipFill>
         <p:spPr bwMode="auto">
           <a:xfrm>
-            <a:off x="611188" y="2060575"/>
-            <a:ext cx="7708900" cy="4508500"/>
+            <a:off x="323528" y="1593552"/>
+            <a:ext cx="8597900" cy="5003800"/>
           </a:xfrm>
           <a:prstGeom prst="rect">
             <a:avLst/>
@@ -16876,23 +16876,23 @@
       </p:sp>
       <p:pic>
         <p:nvPicPr>
-          <p:cNvPr id="32770" name="Picture 4"/>
+          <p:cNvPr id="3074" name="Picture 2"/>
           <p:cNvPicPr>
             <a:picLocks noChangeAspect="1" noChangeArrowheads="1"/>
           </p:cNvPicPr>
           <p:nvPr/>
         </p:nvPicPr>
         <p:blipFill>
-          <a:blip r:embed="rId2"/>
-          <a:srcRect/>
+          <a:blip r:embed="rId2" cstate="print"/>
+          <a:srcRect l="1978" t="15158" r="18221" b="13802"/>
           <a:stretch>
             <a:fillRect/>
           </a:stretch>
         </p:blipFill>
         <p:spPr bwMode="auto">
           <a:xfrm>
-            <a:off x="827088" y="1628775"/>
-            <a:ext cx="6985000" cy="5092700"/>
+            <a:off x="289299" y="1652736"/>
+            <a:ext cx="8636000" cy="4800600"/>
           </a:xfrm>
           <a:prstGeom prst="rect">
             <a:avLst/>
@@ -17226,7 +17226,7 @@
           <p:nvPr/>
         </p:nvPicPr>
         <p:blipFill>
-          <a:blip r:embed="rId2"/>
+          <a:blip r:embed="rId2" cstate="print"/>
           <a:srcRect/>
           <a:stretch>
             <a:fillRect/>
@@ -17315,7 +17315,7 @@
           <p:nvPr/>
         </p:nvPicPr>
         <p:blipFill>
-          <a:blip r:embed="rId2"/>
+          <a:blip r:embed="rId2" cstate="print"/>
           <a:srcRect/>
           <a:stretch>
             <a:fillRect/>
@@ -17461,7 +17461,7 @@
           <p:nvPr/>
         </p:nvPicPr>
         <p:blipFill>
-          <a:blip r:embed="rId2"/>
+          <a:blip r:embed="rId2" cstate="print"/>
           <a:srcRect/>
           <a:stretch>
             <a:fillRect/>
@@ -17550,7 +17550,7 @@
           <p:nvPr/>
         </p:nvPicPr>
         <p:blipFill>
-          <a:blip r:embed="rId2"/>
+          <a:blip r:embed="rId2" cstate="print"/>
           <a:srcRect/>
           <a:stretch>
             <a:fillRect/>
@@ -17693,7 +17693,7 @@
           <p:nvPr/>
         </p:nvPicPr>
         <p:blipFill>
-          <a:blip r:embed="rId2"/>
+          <a:blip r:embed="rId2" cstate="print"/>
           <a:srcRect t="5579"/>
           <a:stretch>
             <a:fillRect/>
@@ -17779,7 +17779,7 @@
           <p:nvPr/>
         </p:nvPicPr>
         <p:blipFill>
-          <a:blip r:embed="rId2"/>
+          <a:blip r:embed="rId2" cstate="print"/>
           <a:srcRect/>
           <a:stretch>
             <a:fillRect/>
@@ -17865,7 +17865,7 @@
           <p:nvPr/>
         </p:nvPicPr>
         <p:blipFill>
-          <a:blip r:embed="rId2"/>
+          <a:blip r:embed="rId2" cstate="print"/>
           <a:srcRect/>
           <a:stretch>
             <a:fillRect/>
@@ -17951,7 +17951,7 @@
           <p:nvPr/>
         </p:nvPicPr>
         <p:blipFill>
-          <a:blip r:embed="rId2"/>
+          <a:blip r:embed="rId2" cstate="print"/>
           <a:srcRect/>
           <a:stretch>
             <a:fillRect/>
@@ -18154,7 +18154,7 @@
           <p:nvPr/>
         </p:nvPicPr>
         <p:blipFill>
-          <a:blip r:embed="rId2"/>
+          <a:blip r:embed="rId2" cstate="print"/>
           <a:srcRect/>
           <a:stretch>
             <a:fillRect/>
@@ -18243,7 +18243,7 @@
           <p:nvPr/>
         </p:nvPicPr>
         <p:blipFill>
-          <a:blip r:embed="rId2"/>
+          <a:blip r:embed="rId2" cstate="print"/>
           <a:srcRect/>
           <a:stretch>
             <a:fillRect/>
@@ -18389,7 +18389,7 @@
           <p:nvPr/>
         </p:nvPicPr>
         <p:blipFill>
-          <a:blip r:embed="rId2"/>
+          <a:blip r:embed="rId2" cstate="print"/>
           <a:srcRect/>
           <a:stretch>
             <a:fillRect/>
@@ -18478,7 +18478,7 @@
           <p:nvPr/>
         </p:nvPicPr>
         <p:blipFill>
-          <a:blip r:embed="rId2"/>
+          <a:blip r:embed="rId2" cstate="print"/>
           <a:srcRect/>
           <a:stretch>
             <a:fillRect/>
@@ -18708,7 +18708,7 @@
           <p:nvPr/>
         </p:nvPicPr>
         <p:blipFill>
-          <a:blip r:embed="rId2">
+          <a:blip r:embed="rId2" cstate="print">
             <a:clrChange>
               <a:clrFrom>
                 <a:srgbClr val="FFFFFF"/>
@@ -18807,7 +18807,7 @@
           <p:nvPr/>
         </p:nvPicPr>
         <p:blipFill>
-          <a:blip r:embed="rId2"/>
+          <a:blip r:embed="rId2" cstate="print"/>
           <a:srcRect/>
           <a:stretch>
             <a:fillRect/>
@@ -19071,7 +19071,7 @@
           <p:nvPr/>
         </p:nvPicPr>
         <p:blipFill>
-          <a:blip r:embed="rId2"/>
+          <a:blip r:embed="rId2" cstate="print"/>
           <a:srcRect t="17819"/>
           <a:stretch>
             <a:fillRect/>
